--- a/ppt 16-9/0707.你当诚心祷告主.pptx
+++ b/ppt 16-9/0707.你当诚心祷告主.pptx
@@ -129,7 +129,7 @@
           <p:cNvPr id="2" name="标题 1">
             <a:extLst>
               <a:ext uri="{FF2B5EF4-FFF2-40B4-BE49-F238E27FC236}">
-                <a16:creationId xmlns:a16="http://schemas.microsoft.com/office/drawing/2014/main" id="{AE7CC1AD-9416-1374-4AE8-AAD6046A5A19}"/>
+                <a16:creationId xmlns:a16="http://schemas.microsoft.com/office/drawing/2014/main" id="{3345E0A3-C3BA-4217-94A8-D3AD5D840EB9}"/>
               </a:ext>
             </a:extLst>
           </p:cNvPr>
@@ -166,7 +166,7 @@
           <p:cNvPr id="3" name="副标题 2">
             <a:extLst>
               <a:ext uri="{FF2B5EF4-FFF2-40B4-BE49-F238E27FC236}">
-                <a16:creationId xmlns:a16="http://schemas.microsoft.com/office/drawing/2014/main" id="{4BB543E1-E021-E61F-FB42-A0B24E2513B0}"/>
+                <a16:creationId xmlns:a16="http://schemas.microsoft.com/office/drawing/2014/main" id="{28F30B25-CF51-7994-C5A5-425AC42AC199}"/>
               </a:ext>
             </a:extLst>
           </p:cNvPr>
@@ -236,7 +236,7 @@
           <p:cNvPr id="4" name="日期占位符 3">
             <a:extLst>
               <a:ext uri="{FF2B5EF4-FFF2-40B4-BE49-F238E27FC236}">
-                <a16:creationId xmlns:a16="http://schemas.microsoft.com/office/drawing/2014/main" id="{D8503936-688A-F822-C983-3F9F8DFF6474}"/>
+                <a16:creationId xmlns:a16="http://schemas.microsoft.com/office/drawing/2014/main" id="{C63862A7-3201-1E6F-B510-A0ADCA6903AF}"/>
               </a:ext>
             </a:extLst>
           </p:cNvPr>
@@ -252,7 +252,7 @@
           <a:bodyPr/>
           <a:lstStyle/>
           <a:p>
-            <a:fld id="{95A3FED6-E5F6-4194-BF60-995FFE3A1643}" type="datetimeFigureOut">
+            <a:fld id="{EB517641-B76A-49F4-A826-1045DE60A614}" type="datetimeFigureOut">
               <a:rPr lang="zh-CN" altLang="en-US" smtClean="0"/>
               <a:t>2024/3/10</a:t>
             </a:fld>
@@ -265,7 +265,7 @@
           <p:cNvPr id="5" name="页脚占位符 4">
             <a:extLst>
               <a:ext uri="{FF2B5EF4-FFF2-40B4-BE49-F238E27FC236}">
-                <a16:creationId xmlns:a16="http://schemas.microsoft.com/office/drawing/2014/main" id="{73D8A10F-0BA2-13C9-2A8B-6C98CDCF6E00}"/>
+                <a16:creationId xmlns:a16="http://schemas.microsoft.com/office/drawing/2014/main" id="{483CF5EA-53D7-5238-E223-BBB61E969300}"/>
               </a:ext>
             </a:extLst>
           </p:cNvPr>
@@ -290,7 +290,7 @@
           <p:cNvPr id="6" name="灯片编号占位符 5">
             <a:extLst>
               <a:ext uri="{FF2B5EF4-FFF2-40B4-BE49-F238E27FC236}">
-                <a16:creationId xmlns:a16="http://schemas.microsoft.com/office/drawing/2014/main" id="{DFDB01EC-483C-6E63-CC07-89C0C7ED5C0C}"/>
+                <a16:creationId xmlns:a16="http://schemas.microsoft.com/office/drawing/2014/main" id="{1D16ECF1-DDE6-184E-9FEF-9A403E987327}"/>
               </a:ext>
             </a:extLst>
           </p:cNvPr>
@@ -306,7 +306,7 @@
           <a:bodyPr/>
           <a:lstStyle/>
           <a:p>
-            <a:fld id="{810F7B75-8A89-4BFB-B888-FFAF8FA1652B}" type="slidenum">
+            <a:fld id="{C6B1449E-5097-4DB0-BB35-38F3E0EB99FA}" type="slidenum">
               <a:rPr lang="zh-CN" altLang="en-US" smtClean="0"/>
               <a:t>‹#›</a:t>
             </a:fld>
@@ -317,7 +317,7 @@
     </p:spTree>
     <p:extLst>
       <p:ext uri="{BB962C8B-B14F-4D97-AF65-F5344CB8AC3E}">
-        <p14:creationId xmlns:p14="http://schemas.microsoft.com/office/powerpoint/2010/main" val="328498784"/>
+        <p14:creationId xmlns:p14="http://schemas.microsoft.com/office/powerpoint/2010/main" val="1638568789"/>
       </p:ext>
     </p:extLst>
   </p:cSld>
@@ -349,7 +349,7 @@
           <p:cNvPr id="2" name="标题 1">
             <a:extLst>
               <a:ext uri="{FF2B5EF4-FFF2-40B4-BE49-F238E27FC236}">
-                <a16:creationId xmlns:a16="http://schemas.microsoft.com/office/drawing/2014/main" id="{F63859A9-02E7-211C-7C68-07635A86456E}"/>
+                <a16:creationId xmlns:a16="http://schemas.microsoft.com/office/drawing/2014/main" id="{93B07CE9-6061-00A0-E1B2-6E35CA8725D1}"/>
               </a:ext>
             </a:extLst>
           </p:cNvPr>
@@ -377,7 +377,7 @@
           <p:cNvPr id="3" name="竖排文字占位符 2">
             <a:extLst>
               <a:ext uri="{FF2B5EF4-FFF2-40B4-BE49-F238E27FC236}">
-                <a16:creationId xmlns:a16="http://schemas.microsoft.com/office/drawing/2014/main" id="{D1202E2F-B4F1-44FC-C89F-A85BCE197198}"/>
+                <a16:creationId xmlns:a16="http://schemas.microsoft.com/office/drawing/2014/main" id="{0C5C39C5-10D2-B2C8-EE75-A586691AB444}"/>
               </a:ext>
             </a:extLst>
           </p:cNvPr>
@@ -434,7 +434,7 @@
           <p:cNvPr id="4" name="日期占位符 3">
             <a:extLst>
               <a:ext uri="{FF2B5EF4-FFF2-40B4-BE49-F238E27FC236}">
-                <a16:creationId xmlns:a16="http://schemas.microsoft.com/office/drawing/2014/main" id="{DEF7D108-0E12-0338-6087-6BF0BA4EF19C}"/>
+                <a16:creationId xmlns:a16="http://schemas.microsoft.com/office/drawing/2014/main" id="{DEA3B772-219C-3E82-6BC7-A7DB535360FF}"/>
               </a:ext>
             </a:extLst>
           </p:cNvPr>
@@ -450,7 +450,7 @@
           <a:bodyPr/>
           <a:lstStyle/>
           <a:p>
-            <a:fld id="{95A3FED6-E5F6-4194-BF60-995FFE3A1643}" type="datetimeFigureOut">
+            <a:fld id="{EB517641-B76A-49F4-A826-1045DE60A614}" type="datetimeFigureOut">
               <a:rPr lang="zh-CN" altLang="en-US" smtClean="0"/>
               <a:t>2024/3/10</a:t>
             </a:fld>
@@ -463,7 +463,7 @@
           <p:cNvPr id="5" name="页脚占位符 4">
             <a:extLst>
               <a:ext uri="{FF2B5EF4-FFF2-40B4-BE49-F238E27FC236}">
-                <a16:creationId xmlns:a16="http://schemas.microsoft.com/office/drawing/2014/main" id="{13BC4ABE-BFA7-5BB9-CB98-D0D544CD9F45}"/>
+                <a16:creationId xmlns:a16="http://schemas.microsoft.com/office/drawing/2014/main" id="{DE2B2A37-BA0A-3474-DDEB-BCE37CFA4619}"/>
               </a:ext>
             </a:extLst>
           </p:cNvPr>
@@ -488,7 +488,7 @@
           <p:cNvPr id="6" name="灯片编号占位符 5">
             <a:extLst>
               <a:ext uri="{FF2B5EF4-FFF2-40B4-BE49-F238E27FC236}">
-                <a16:creationId xmlns:a16="http://schemas.microsoft.com/office/drawing/2014/main" id="{087AE21A-0619-5104-08C9-55FE3002200C}"/>
+                <a16:creationId xmlns:a16="http://schemas.microsoft.com/office/drawing/2014/main" id="{5115B58F-3171-2B4C-A0C4-3A1E5EB44C33}"/>
               </a:ext>
             </a:extLst>
           </p:cNvPr>
@@ -504,7 +504,7 @@
           <a:bodyPr/>
           <a:lstStyle/>
           <a:p>
-            <a:fld id="{810F7B75-8A89-4BFB-B888-FFAF8FA1652B}" type="slidenum">
+            <a:fld id="{C6B1449E-5097-4DB0-BB35-38F3E0EB99FA}" type="slidenum">
               <a:rPr lang="zh-CN" altLang="en-US" smtClean="0"/>
               <a:t>‹#›</a:t>
             </a:fld>
@@ -515,7 +515,7 @@
     </p:spTree>
     <p:extLst>
       <p:ext uri="{BB962C8B-B14F-4D97-AF65-F5344CB8AC3E}">
-        <p14:creationId xmlns:p14="http://schemas.microsoft.com/office/powerpoint/2010/main" val="998541795"/>
+        <p14:creationId xmlns:p14="http://schemas.microsoft.com/office/powerpoint/2010/main" val="2075345192"/>
       </p:ext>
     </p:extLst>
   </p:cSld>
@@ -547,7 +547,7 @@
           <p:cNvPr id="2" name="竖排标题 1">
             <a:extLst>
               <a:ext uri="{FF2B5EF4-FFF2-40B4-BE49-F238E27FC236}">
-                <a16:creationId xmlns:a16="http://schemas.microsoft.com/office/drawing/2014/main" id="{423FA7AA-0DFC-D870-72D8-C90DCBB7C16C}"/>
+                <a16:creationId xmlns:a16="http://schemas.microsoft.com/office/drawing/2014/main" id="{C2E859FC-A2F6-49EF-9255-8AB7AAD50F9A}"/>
               </a:ext>
             </a:extLst>
           </p:cNvPr>
@@ -580,7 +580,7 @@
           <p:cNvPr id="3" name="竖排文字占位符 2">
             <a:extLst>
               <a:ext uri="{FF2B5EF4-FFF2-40B4-BE49-F238E27FC236}">
-                <a16:creationId xmlns:a16="http://schemas.microsoft.com/office/drawing/2014/main" id="{97545C02-C21A-A3A0-534B-E2109788745C}"/>
+                <a16:creationId xmlns:a16="http://schemas.microsoft.com/office/drawing/2014/main" id="{2E9A8FF5-C8D3-535E-D420-8FD00D160796}"/>
               </a:ext>
             </a:extLst>
           </p:cNvPr>
@@ -642,7 +642,7 @@
           <p:cNvPr id="4" name="日期占位符 3">
             <a:extLst>
               <a:ext uri="{FF2B5EF4-FFF2-40B4-BE49-F238E27FC236}">
-                <a16:creationId xmlns:a16="http://schemas.microsoft.com/office/drawing/2014/main" id="{98BDD040-2D1C-5427-95E1-04B6C63DCE59}"/>
+                <a16:creationId xmlns:a16="http://schemas.microsoft.com/office/drawing/2014/main" id="{9E5EDBC4-21C4-37BF-CD77-4136C6AD9197}"/>
               </a:ext>
             </a:extLst>
           </p:cNvPr>
@@ -658,7 +658,7 @@
           <a:bodyPr/>
           <a:lstStyle/>
           <a:p>
-            <a:fld id="{95A3FED6-E5F6-4194-BF60-995FFE3A1643}" type="datetimeFigureOut">
+            <a:fld id="{EB517641-B76A-49F4-A826-1045DE60A614}" type="datetimeFigureOut">
               <a:rPr lang="zh-CN" altLang="en-US" smtClean="0"/>
               <a:t>2024/3/10</a:t>
             </a:fld>
@@ -671,7 +671,7 @@
           <p:cNvPr id="5" name="页脚占位符 4">
             <a:extLst>
               <a:ext uri="{FF2B5EF4-FFF2-40B4-BE49-F238E27FC236}">
-                <a16:creationId xmlns:a16="http://schemas.microsoft.com/office/drawing/2014/main" id="{3C0C1188-2473-A528-AFC9-94F036D25020}"/>
+                <a16:creationId xmlns:a16="http://schemas.microsoft.com/office/drawing/2014/main" id="{71539DF4-20A1-8F7C-A9BA-29029F5CC961}"/>
               </a:ext>
             </a:extLst>
           </p:cNvPr>
@@ -696,7 +696,7 @@
           <p:cNvPr id="6" name="灯片编号占位符 5">
             <a:extLst>
               <a:ext uri="{FF2B5EF4-FFF2-40B4-BE49-F238E27FC236}">
-                <a16:creationId xmlns:a16="http://schemas.microsoft.com/office/drawing/2014/main" id="{07E5AF59-DFBE-14C8-EE71-B8EDA81DC480}"/>
+                <a16:creationId xmlns:a16="http://schemas.microsoft.com/office/drawing/2014/main" id="{AC9FEF03-40BC-34FE-9D66-AC82BABC70A4}"/>
               </a:ext>
             </a:extLst>
           </p:cNvPr>
@@ -712,7 +712,7 @@
           <a:bodyPr/>
           <a:lstStyle/>
           <a:p>
-            <a:fld id="{810F7B75-8A89-4BFB-B888-FFAF8FA1652B}" type="slidenum">
+            <a:fld id="{C6B1449E-5097-4DB0-BB35-38F3E0EB99FA}" type="slidenum">
               <a:rPr lang="zh-CN" altLang="en-US" smtClean="0"/>
               <a:t>‹#›</a:t>
             </a:fld>
@@ -723,7 +723,7 @@
     </p:spTree>
     <p:extLst>
       <p:ext uri="{BB962C8B-B14F-4D97-AF65-F5344CB8AC3E}">
-        <p14:creationId xmlns:p14="http://schemas.microsoft.com/office/powerpoint/2010/main" val="1095074553"/>
+        <p14:creationId xmlns:p14="http://schemas.microsoft.com/office/powerpoint/2010/main" val="18828104"/>
       </p:ext>
     </p:extLst>
   </p:cSld>
@@ -755,7 +755,7 @@
           <p:cNvPr id="2" name="标题 1">
             <a:extLst>
               <a:ext uri="{FF2B5EF4-FFF2-40B4-BE49-F238E27FC236}">
-                <a16:creationId xmlns:a16="http://schemas.microsoft.com/office/drawing/2014/main" id="{E955A455-A2B0-B943-33C0-9CFB238E7D53}"/>
+                <a16:creationId xmlns:a16="http://schemas.microsoft.com/office/drawing/2014/main" id="{3F2C1283-4B74-B78F-44D3-BAAC4457DA19}"/>
               </a:ext>
             </a:extLst>
           </p:cNvPr>
@@ -783,7 +783,7 @@
           <p:cNvPr id="3" name="内容占位符 2">
             <a:extLst>
               <a:ext uri="{FF2B5EF4-FFF2-40B4-BE49-F238E27FC236}">
-                <a16:creationId xmlns:a16="http://schemas.microsoft.com/office/drawing/2014/main" id="{77AFF9FC-2353-3E30-F5C4-20DE736CFB56}"/>
+                <a16:creationId xmlns:a16="http://schemas.microsoft.com/office/drawing/2014/main" id="{7E18E1C0-167C-12A4-5D03-9C3ED31A2044}"/>
               </a:ext>
             </a:extLst>
           </p:cNvPr>
@@ -840,7 +840,7 @@
           <p:cNvPr id="4" name="日期占位符 3">
             <a:extLst>
               <a:ext uri="{FF2B5EF4-FFF2-40B4-BE49-F238E27FC236}">
-                <a16:creationId xmlns:a16="http://schemas.microsoft.com/office/drawing/2014/main" id="{94BD4E45-B5C7-10D3-1BAF-0B7604483F66}"/>
+                <a16:creationId xmlns:a16="http://schemas.microsoft.com/office/drawing/2014/main" id="{16CCE58F-E78C-791C-049F-1693DC2C6581}"/>
               </a:ext>
             </a:extLst>
           </p:cNvPr>
@@ -856,7 +856,7 @@
           <a:bodyPr/>
           <a:lstStyle/>
           <a:p>
-            <a:fld id="{95A3FED6-E5F6-4194-BF60-995FFE3A1643}" type="datetimeFigureOut">
+            <a:fld id="{EB517641-B76A-49F4-A826-1045DE60A614}" type="datetimeFigureOut">
               <a:rPr lang="zh-CN" altLang="en-US" smtClean="0"/>
               <a:t>2024/3/10</a:t>
             </a:fld>
@@ -869,7 +869,7 @@
           <p:cNvPr id="5" name="页脚占位符 4">
             <a:extLst>
               <a:ext uri="{FF2B5EF4-FFF2-40B4-BE49-F238E27FC236}">
-                <a16:creationId xmlns:a16="http://schemas.microsoft.com/office/drawing/2014/main" id="{A0BD03A8-BD95-014F-DB09-023CE597E233}"/>
+                <a16:creationId xmlns:a16="http://schemas.microsoft.com/office/drawing/2014/main" id="{9AA07FEB-8CC8-F4CA-91B3-7AF9B3DB9E24}"/>
               </a:ext>
             </a:extLst>
           </p:cNvPr>
@@ -894,7 +894,7 @@
           <p:cNvPr id="6" name="灯片编号占位符 5">
             <a:extLst>
               <a:ext uri="{FF2B5EF4-FFF2-40B4-BE49-F238E27FC236}">
-                <a16:creationId xmlns:a16="http://schemas.microsoft.com/office/drawing/2014/main" id="{C7873006-88A8-AD06-4C48-97D611BDA93A}"/>
+                <a16:creationId xmlns:a16="http://schemas.microsoft.com/office/drawing/2014/main" id="{9B4FE0AA-FD23-40B9-9FE0-0B881B486F2F}"/>
               </a:ext>
             </a:extLst>
           </p:cNvPr>
@@ -910,7 +910,7 @@
           <a:bodyPr/>
           <a:lstStyle/>
           <a:p>
-            <a:fld id="{810F7B75-8A89-4BFB-B888-FFAF8FA1652B}" type="slidenum">
+            <a:fld id="{C6B1449E-5097-4DB0-BB35-38F3E0EB99FA}" type="slidenum">
               <a:rPr lang="zh-CN" altLang="en-US" smtClean="0"/>
               <a:t>‹#›</a:t>
             </a:fld>
@@ -921,7 +921,7 @@
     </p:spTree>
     <p:extLst>
       <p:ext uri="{BB962C8B-B14F-4D97-AF65-F5344CB8AC3E}">
-        <p14:creationId xmlns:p14="http://schemas.microsoft.com/office/powerpoint/2010/main" val="2992811843"/>
+        <p14:creationId xmlns:p14="http://schemas.microsoft.com/office/powerpoint/2010/main" val="4009052091"/>
       </p:ext>
     </p:extLst>
   </p:cSld>
@@ -953,7 +953,7 @@
           <p:cNvPr id="2" name="标题 1">
             <a:extLst>
               <a:ext uri="{FF2B5EF4-FFF2-40B4-BE49-F238E27FC236}">
-                <a16:creationId xmlns:a16="http://schemas.microsoft.com/office/drawing/2014/main" id="{DA0158BF-479B-ABED-FAF4-51861484EC01}"/>
+                <a16:creationId xmlns:a16="http://schemas.microsoft.com/office/drawing/2014/main" id="{B51F3144-2520-459E-8F51-CB3C8A6C33DF}"/>
               </a:ext>
             </a:extLst>
           </p:cNvPr>
@@ -990,7 +990,7 @@
           <p:cNvPr id="3" name="文本占位符 2">
             <a:extLst>
               <a:ext uri="{FF2B5EF4-FFF2-40B4-BE49-F238E27FC236}">
-                <a16:creationId xmlns:a16="http://schemas.microsoft.com/office/drawing/2014/main" id="{02714B9C-A307-E927-2C49-20DE9342E8DA}"/>
+                <a16:creationId xmlns:a16="http://schemas.microsoft.com/office/drawing/2014/main" id="{50743F00-6C91-6B69-D161-FD052727FA4C}"/>
               </a:ext>
             </a:extLst>
           </p:cNvPr>
@@ -1115,7 +1115,7 @@
           <p:cNvPr id="4" name="日期占位符 3">
             <a:extLst>
               <a:ext uri="{FF2B5EF4-FFF2-40B4-BE49-F238E27FC236}">
-                <a16:creationId xmlns:a16="http://schemas.microsoft.com/office/drawing/2014/main" id="{67F88AD8-B3F2-8C38-6471-F45C0E87E8AA}"/>
+                <a16:creationId xmlns:a16="http://schemas.microsoft.com/office/drawing/2014/main" id="{BC28CB99-293F-9560-6935-59688C5DD90E}"/>
               </a:ext>
             </a:extLst>
           </p:cNvPr>
@@ -1131,7 +1131,7 @@
           <a:bodyPr/>
           <a:lstStyle/>
           <a:p>
-            <a:fld id="{95A3FED6-E5F6-4194-BF60-995FFE3A1643}" type="datetimeFigureOut">
+            <a:fld id="{EB517641-B76A-49F4-A826-1045DE60A614}" type="datetimeFigureOut">
               <a:rPr lang="zh-CN" altLang="en-US" smtClean="0"/>
               <a:t>2024/3/10</a:t>
             </a:fld>
@@ -1144,7 +1144,7 @@
           <p:cNvPr id="5" name="页脚占位符 4">
             <a:extLst>
               <a:ext uri="{FF2B5EF4-FFF2-40B4-BE49-F238E27FC236}">
-                <a16:creationId xmlns:a16="http://schemas.microsoft.com/office/drawing/2014/main" id="{89D9C7BE-851C-3968-7AB0-5D9A7488BACC}"/>
+                <a16:creationId xmlns:a16="http://schemas.microsoft.com/office/drawing/2014/main" id="{F31ED759-FE2B-970D-61E2-26E0C0AF35A7}"/>
               </a:ext>
             </a:extLst>
           </p:cNvPr>
@@ -1169,7 +1169,7 @@
           <p:cNvPr id="6" name="灯片编号占位符 5">
             <a:extLst>
               <a:ext uri="{FF2B5EF4-FFF2-40B4-BE49-F238E27FC236}">
-                <a16:creationId xmlns:a16="http://schemas.microsoft.com/office/drawing/2014/main" id="{59304056-C6BA-8252-2458-FC4BAC264155}"/>
+                <a16:creationId xmlns:a16="http://schemas.microsoft.com/office/drawing/2014/main" id="{5956ED4A-1431-C5F0-BC8F-25F7C9A2CCFD}"/>
               </a:ext>
             </a:extLst>
           </p:cNvPr>
@@ -1185,7 +1185,7 @@
           <a:bodyPr/>
           <a:lstStyle/>
           <a:p>
-            <a:fld id="{810F7B75-8A89-4BFB-B888-FFAF8FA1652B}" type="slidenum">
+            <a:fld id="{C6B1449E-5097-4DB0-BB35-38F3E0EB99FA}" type="slidenum">
               <a:rPr lang="zh-CN" altLang="en-US" smtClean="0"/>
               <a:t>‹#›</a:t>
             </a:fld>
@@ -1196,7 +1196,7 @@
     </p:spTree>
     <p:extLst>
       <p:ext uri="{BB962C8B-B14F-4D97-AF65-F5344CB8AC3E}">
-        <p14:creationId xmlns:p14="http://schemas.microsoft.com/office/powerpoint/2010/main" val="2652320192"/>
+        <p14:creationId xmlns:p14="http://schemas.microsoft.com/office/powerpoint/2010/main" val="715492619"/>
       </p:ext>
     </p:extLst>
   </p:cSld>
@@ -1228,7 +1228,7 @@
           <p:cNvPr id="2" name="标题 1">
             <a:extLst>
               <a:ext uri="{FF2B5EF4-FFF2-40B4-BE49-F238E27FC236}">
-                <a16:creationId xmlns:a16="http://schemas.microsoft.com/office/drawing/2014/main" id="{920E71F5-7A2C-B346-D138-7C3362D6B10F}"/>
+                <a16:creationId xmlns:a16="http://schemas.microsoft.com/office/drawing/2014/main" id="{C3E41552-B216-1F72-9307-31837DA4C80E}"/>
               </a:ext>
             </a:extLst>
           </p:cNvPr>
@@ -1256,7 +1256,7 @@
           <p:cNvPr id="3" name="内容占位符 2">
             <a:extLst>
               <a:ext uri="{FF2B5EF4-FFF2-40B4-BE49-F238E27FC236}">
-                <a16:creationId xmlns:a16="http://schemas.microsoft.com/office/drawing/2014/main" id="{9E80C47B-C629-A3B3-7505-70AA02B4CCDC}"/>
+                <a16:creationId xmlns:a16="http://schemas.microsoft.com/office/drawing/2014/main" id="{3177DA95-5CE2-ABCB-8F9C-7B1904734955}"/>
               </a:ext>
             </a:extLst>
           </p:cNvPr>
@@ -1318,7 +1318,7 @@
           <p:cNvPr id="4" name="内容占位符 3">
             <a:extLst>
               <a:ext uri="{FF2B5EF4-FFF2-40B4-BE49-F238E27FC236}">
-                <a16:creationId xmlns:a16="http://schemas.microsoft.com/office/drawing/2014/main" id="{2B13CCDA-AD44-28A1-5587-BC1C64748AB6}"/>
+                <a16:creationId xmlns:a16="http://schemas.microsoft.com/office/drawing/2014/main" id="{D7E86DB6-68B7-E8FF-F722-3B58E8D7277A}"/>
               </a:ext>
             </a:extLst>
           </p:cNvPr>
@@ -1380,7 +1380,7 @@
           <p:cNvPr id="5" name="日期占位符 4">
             <a:extLst>
               <a:ext uri="{FF2B5EF4-FFF2-40B4-BE49-F238E27FC236}">
-                <a16:creationId xmlns:a16="http://schemas.microsoft.com/office/drawing/2014/main" id="{40B2E933-FB84-1A05-231C-D254BB947A17}"/>
+                <a16:creationId xmlns:a16="http://schemas.microsoft.com/office/drawing/2014/main" id="{5ECCD255-EDE9-98F0-B078-1325E29990CB}"/>
               </a:ext>
             </a:extLst>
           </p:cNvPr>
@@ -1396,7 +1396,7 @@
           <a:bodyPr/>
           <a:lstStyle/>
           <a:p>
-            <a:fld id="{95A3FED6-E5F6-4194-BF60-995FFE3A1643}" type="datetimeFigureOut">
+            <a:fld id="{EB517641-B76A-49F4-A826-1045DE60A614}" type="datetimeFigureOut">
               <a:rPr lang="zh-CN" altLang="en-US" smtClean="0"/>
               <a:t>2024/3/10</a:t>
             </a:fld>
@@ -1409,7 +1409,7 @@
           <p:cNvPr id="6" name="页脚占位符 5">
             <a:extLst>
               <a:ext uri="{FF2B5EF4-FFF2-40B4-BE49-F238E27FC236}">
-                <a16:creationId xmlns:a16="http://schemas.microsoft.com/office/drawing/2014/main" id="{2C883BB4-E7AA-0E7E-06D3-27D42E22216F}"/>
+                <a16:creationId xmlns:a16="http://schemas.microsoft.com/office/drawing/2014/main" id="{6EAF28CC-C76C-5326-4BA3-36FC20C05C16}"/>
               </a:ext>
             </a:extLst>
           </p:cNvPr>
@@ -1434,7 +1434,7 @@
           <p:cNvPr id="7" name="灯片编号占位符 6">
             <a:extLst>
               <a:ext uri="{FF2B5EF4-FFF2-40B4-BE49-F238E27FC236}">
-                <a16:creationId xmlns:a16="http://schemas.microsoft.com/office/drawing/2014/main" id="{DDB8C43C-055F-8ACE-E8DE-82A660E81E85}"/>
+                <a16:creationId xmlns:a16="http://schemas.microsoft.com/office/drawing/2014/main" id="{8C5A01B8-06FD-FCD3-5541-BF7675948CC3}"/>
               </a:ext>
             </a:extLst>
           </p:cNvPr>
@@ -1450,7 +1450,7 @@
           <a:bodyPr/>
           <a:lstStyle/>
           <a:p>
-            <a:fld id="{810F7B75-8A89-4BFB-B888-FFAF8FA1652B}" type="slidenum">
+            <a:fld id="{C6B1449E-5097-4DB0-BB35-38F3E0EB99FA}" type="slidenum">
               <a:rPr lang="zh-CN" altLang="en-US" smtClean="0"/>
               <a:t>‹#›</a:t>
             </a:fld>
@@ -1461,7 +1461,7 @@
     </p:spTree>
     <p:extLst>
       <p:ext uri="{BB962C8B-B14F-4D97-AF65-F5344CB8AC3E}">
-        <p14:creationId xmlns:p14="http://schemas.microsoft.com/office/powerpoint/2010/main" val="4110276190"/>
+        <p14:creationId xmlns:p14="http://schemas.microsoft.com/office/powerpoint/2010/main" val="3219323120"/>
       </p:ext>
     </p:extLst>
   </p:cSld>
@@ -1493,7 +1493,7 @@
           <p:cNvPr id="2" name="标题 1">
             <a:extLst>
               <a:ext uri="{FF2B5EF4-FFF2-40B4-BE49-F238E27FC236}">
-                <a16:creationId xmlns:a16="http://schemas.microsoft.com/office/drawing/2014/main" id="{09656661-7786-34F9-9E1F-A42FB39CFC3A}"/>
+                <a16:creationId xmlns:a16="http://schemas.microsoft.com/office/drawing/2014/main" id="{5E8DC858-6898-6DD9-D92D-28B19588A73D}"/>
               </a:ext>
             </a:extLst>
           </p:cNvPr>
@@ -1526,7 +1526,7 @@
           <p:cNvPr id="3" name="文本占位符 2">
             <a:extLst>
               <a:ext uri="{FF2B5EF4-FFF2-40B4-BE49-F238E27FC236}">
-                <a16:creationId xmlns:a16="http://schemas.microsoft.com/office/drawing/2014/main" id="{AA88DE68-CBE5-0048-D8E5-26B0D6639E62}"/>
+                <a16:creationId xmlns:a16="http://schemas.microsoft.com/office/drawing/2014/main" id="{D544E8BD-24DE-9FF9-7637-151844D16C3F}"/>
               </a:ext>
             </a:extLst>
           </p:cNvPr>
@@ -1597,7 +1597,7 @@
           <p:cNvPr id="4" name="内容占位符 3">
             <a:extLst>
               <a:ext uri="{FF2B5EF4-FFF2-40B4-BE49-F238E27FC236}">
-                <a16:creationId xmlns:a16="http://schemas.microsoft.com/office/drawing/2014/main" id="{B411F8B1-6430-5721-C1C9-3A8725B422B6}"/>
+                <a16:creationId xmlns:a16="http://schemas.microsoft.com/office/drawing/2014/main" id="{6A31CFAE-8FE4-D9A2-6DE2-EB3319DA70F9}"/>
               </a:ext>
             </a:extLst>
           </p:cNvPr>
@@ -1659,7 +1659,7 @@
           <p:cNvPr id="5" name="文本占位符 4">
             <a:extLst>
               <a:ext uri="{FF2B5EF4-FFF2-40B4-BE49-F238E27FC236}">
-                <a16:creationId xmlns:a16="http://schemas.microsoft.com/office/drawing/2014/main" id="{5C3A692A-9328-97D8-0A14-64EB3C206FD8}"/>
+                <a16:creationId xmlns:a16="http://schemas.microsoft.com/office/drawing/2014/main" id="{00C04FBD-CC26-D8CD-A7CC-A6F63009C5D5}"/>
               </a:ext>
             </a:extLst>
           </p:cNvPr>
@@ -1730,7 +1730,7 @@
           <p:cNvPr id="6" name="内容占位符 5">
             <a:extLst>
               <a:ext uri="{FF2B5EF4-FFF2-40B4-BE49-F238E27FC236}">
-                <a16:creationId xmlns:a16="http://schemas.microsoft.com/office/drawing/2014/main" id="{AE652828-8704-4699-3C3B-972D0796FFF8}"/>
+                <a16:creationId xmlns:a16="http://schemas.microsoft.com/office/drawing/2014/main" id="{398C1C6A-AC95-4ABC-EE39-17EA6707E11B}"/>
               </a:ext>
             </a:extLst>
           </p:cNvPr>
@@ -1792,7 +1792,7 @@
           <p:cNvPr id="7" name="日期占位符 6">
             <a:extLst>
               <a:ext uri="{FF2B5EF4-FFF2-40B4-BE49-F238E27FC236}">
-                <a16:creationId xmlns:a16="http://schemas.microsoft.com/office/drawing/2014/main" id="{4B714329-7A3B-9F48-CA96-53787EF2BADF}"/>
+                <a16:creationId xmlns:a16="http://schemas.microsoft.com/office/drawing/2014/main" id="{B85BBE67-6D8F-C851-3AD8-16BF1A481AD6}"/>
               </a:ext>
             </a:extLst>
           </p:cNvPr>
@@ -1808,7 +1808,7 @@
           <a:bodyPr/>
           <a:lstStyle/>
           <a:p>
-            <a:fld id="{95A3FED6-E5F6-4194-BF60-995FFE3A1643}" type="datetimeFigureOut">
+            <a:fld id="{EB517641-B76A-49F4-A826-1045DE60A614}" type="datetimeFigureOut">
               <a:rPr lang="zh-CN" altLang="en-US" smtClean="0"/>
               <a:t>2024/3/10</a:t>
             </a:fld>
@@ -1821,7 +1821,7 @@
           <p:cNvPr id="8" name="页脚占位符 7">
             <a:extLst>
               <a:ext uri="{FF2B5EF4-FFF2-40B4-BE49-F238E27FC236}">
-                <a16:creationId xmlns:a16="http://schemas.microsoft.com/office/drawing/2014/main" id="{F0AEAAE9-C8AE-E453-AC07-FAC65914FBD7}"/>
+                <a16:creationId xmlns:a16="http://schemas.microsoft.com/office/drawing/2014/main" id="{23476F73-C0D7-05FA-A59E-6461159EAD78}"/>
               </a:ext>
             </a:extLst>
           </p:cNvPr>
@@ -1846,7 +1846,7 @@
           <p:cNvPr id="9" name="灯片编号占位符 8">
             <a:extLst>
               <a:ext uri="{FF2B5EF4-FFF2-40B4-BE49-F238E27FC236}">
-                <a16:creationId xmlns:a16="http://schemas.microsoft.com/office/drawing/2014/main" id="{58BA9E8B-DE46-41D6-CEB2-AD1B0502184D}"/>
+                <a16:creationId xmlns:a16="http://schemas.microsoft.com/office/drawing/2014/main" id="{8627F01E-7D0B-335D-E63F-1324F8485FC2}"/>
               </a:ext>
             </a:extLst>
           </p:cNvPr>
@@ -1862,7 +1862,7 @@
           <a:bodyPr/>
           <a:lstStyle/>
           <a:p>
-            <a:fld id="{810F7B75-8A89-4BFB-B888-FFAF8FA1652B}" type="slidenum">
+            <a:fld id="{C6B1449E-5097-4DB0-BB35-38F3E0EB99FA}" type="slidenum">
               <a:rPr lang="zh-CN" altLang="en-US" smtClean="0"/>
               <a:t>‹#›</a:t>
             </a:fld>
@@ -1873,7 +1873,7 @@
     </p:spTree>
     <p:extLst>
       <p:ext uri="{BB962C8B-B14F-4D97-AF65-F5344CB8AC3E}">
-        <p14:creationId xmlns:p14="http://schemas.microsoft.com/office/powerpoint/2010/main" val="448533926"/>
+        <p14:creationId xmlns:p14="http://schemas.microsoft.com/office/powerpoint/2010/main" val="2494770752"/>
       </p:ext>
     </p:extLst>
   </p:cSld>
@@ -1905,7 +1905,7 @@
           <p:cNvPr id="2" name="标题 1">
             <a:extLst>
               <a:ext uri="{FF2B5EF4-FFF2-40B4-BE49-F238E27FC236}">
-                <a16:creationId xmlns:a16="http://schemas.microsoft.com/office/drawing/2014/main" id="{64ED3F7F-1C9C-C7F5-22C3-D1507312849F}"/>
+                <a16:creationId xmlns:a16="http://schemas.microsoft.com/office/drawing/2014/main" id="{1A35E5D9-83A0-AE44-7E4A-A39802697958}"/>
               </a:ext>
             </a:extLst>
           </p:cNvPr>
@@ -1933,7 +1933,7 @@
           <p:cNvPr id="3" name="日期占位符 2">
             <a:extLst>
               <a:ext uri="{FF2B5EF4-FFF2-40B4-BE49-F238E27FC236}">
-                <a16:creationId xmlns:a16="http://schemas.microsoft.com/office/drawing/2014/main" id="{9919DAEF-2963-0E54-0064-1071147CD4FF}"/>
+                <a16:creationId xmlns:a16="http://schemas.microsoft.com/office/drawing/2014/main" id="{C2FD9D00-CF64-0DF5-5FEB-979EEF2E6C0E}"/>
               </a:ext>
             </a:extLst>
           </p:cNvPr>
@@ -1949,7 +1949,7 @@
           <a:bodyPr/>
           <a:lstStyle/>
           <a:p>
-            <a:fld id="{95A3FED6-E5F6-4194-BF60-995FFE3A1643}" type="datetimeFigureOut">
+            <a:fld id="{EB517641-B76A-49F4-A826-1045DE60A614}" type="datetimeFigureOut">
               <a:rPr lang="zh-CN" altLang="en-US" smtClean="0"/>
               <a:t>2024/3/10</a:t>
             </a:fld>
@@ -1962,7 +1962,7 @@
           <p:cNvPr id="4" name="页脚占位符 3">
             <a:extLst>
               <a:ext uri="{FF2B5EF4-FFF2-40B4-BE49-F238E27FC236}">
-                <a16:creationId xmlns:a16="http://schemas.microsoft.com/office/drawing/2014/main" id="{CE18D9A6-CC75-3C18-15CF-DA6B89C865FC}"/>
+                <a16:creationId xmlns:a16="http://schemas.microsoft.com/office/drawing/2014/main" id="{8004E549-7BC2-B048-4A33-9F88A5658D6F}"/>
               </a:ext>
             </a:extLst>
           </p:cNvPr>
@@ -1987,7 +1987,7 @@
           <p:cNvPr id="5" name="灯片编号占位符 4">
             <a:extLst>
               <a:ext uri="{FF2B5EF4-FFF2-40B4-BE49-F238E27FC236}">
-                <a16:creationId xmlns:a16="http://schemas.microsoft.com/office/drawing/2014/main" id="{F41445FA-7AFC-8C8F-0478-C1A02E584A9A}"/>
+                <a16:creationId xmlns:a16="http://schemas.microsoft.com/office/drawing/2014/main" id="{6910D5E1-9679-9E62-725C-4FBFA0E67BF2}"/>
               </a:ext>
             </a:extLst>
           </p:cNvPr>
@@ -2003,7 +2003,7 @@
           <a:bodyPr/>
           <a:lstStyle/>
           <a:p>
-            <a:fld id="{810F7B75-8A89-4BFB-B888-FFAF8FA1652B}" type="slidenum">
+            <a:fld id="{C6B1449E-5097-4DB0-BB35-38F3E0EB99FA}" type="slidenum">
               <a:rPr lang="zh-CN" altLang="en-US" smtClean="0"/>
               <a:t>‹#›</a:t>
             </a:fld>
@@ -2014,7 +2014,7 @@
     </p:spTree>
     <p:extLst>
       <p:ext uri="{BB962C8B-B14F-4D97-AF65-F5344CB8AC3E}">
-        <p14:creationId xmlns:p14="http://schemas.microsoft.com/office/powerpoint/2010/main" val="1844111307"/>
+        <p14:creationId xmlns:p14="http://schemas.microsoft.com/office/powerpoint/2010/main" val="765575446"/>
       </p:ext>
     </p:extLst>
   </p:cSld>
@@ -2046,7 +2046,7 @@
           <p:cNvPr id="2" name="日期占位符 1">
             <a:extLst>
               <a:ext uri="{FF2B5EF4-FFF2-40B4-BE49-F238E27FC236}">
-                <a16:creationId xmlns:a16="http://schemas.microsoft.com/office/drawing/2014/main" id="{16C98918-ED83-C374-E6E2-B0EA2A3C28FF}"/>
+                <a16:creationId xmlns:a16="http://schemas.microsoft.com/office/drawing/2014/main" id="{0DD711F8-43CE-56FD-48F9-C6AA7D9599DB}"/>
               </a:ext>
             </a:extLst>
           </p:cNvPr>
@@ -2062,7 +2062,7 @@
           <a:bodyPr/>
           <a:lstStyle/>
           <a:p>
-            <a:fld id="{95A3FED6-E5F6-4194-BF60-995FFE3A1643}" type="datetimeFigureOut">
+            <a:fld id="{EB517641-B76A-49F4-A826-1045DE60A614}" type="datetimeFigureOut">
               <a:rPr lang="zh-CN" altLang="en-US" smtClean="0"/>
               <a:t>2024/3/10</a:t>
             </a:fld>
@@ -2075,7 +2075,7 @@
           <p:cNvPr id="3" name="页脚占位符 2">
             <a:extLst>
               <a:ext uri="{FF2B5EF4-FFF2-40B4-BE49-F238E27FC236}">
-                <a16:creationId xmlns:a16="http://schemas.microsoft.com/office/drawing/2014/main" id="{2128584A-A4F2-5AB8-8F7E-C8E963AA7502}"/>
+                <a16:creationId xmlns:a16="http://schemas.microsoft.com/office/drawing/2014/main" id="{AC9E7E6B-4AB2-03AF-C5A2-7B1B34104D9C}"/>
               </a:ext>
             </a:extLst>
           </p:cNvPr>
@@ -2100,7 +2100,7 @@
           <p:cNvPr id="4" name="灯片编号占位符 3">
             <a:extLst>
               <a:ext uri="{FF2B5EF4-FFF2-40B4-BE49-F238E27FC236}">
-                <a16:creationId xmlns:a16="http://schemas.microsoft.com/office/drawing/2014/main" id="{A938D91C-0932-B676-FBA0-B0C3CC2BEE2E}"/>
+                <a16:creationId xmlns:a16="http://schemas.microsoft.com/office/drawing/2014/main" id="{0DAAA3CF-BE6E-CAD3-4E3E-CC02C4B22D3B}"/>
               </a:ext>
             </a:extLst>
           </p:cNvPr>
@@ -2116,7 +2116,7 @@
           <a:bodyPr/>
           <a:lstStyle/>
           <a:p>
-            <a:fld id="{810F7B75-8A89-4BFB-B888-FFAF8FA1652B}" type="slidenum">
+            <a:fld id="{C6B1449E-5097-4DB0-BB35-38F3E0EB99FA}" type="slidenum">
               <a:rPr lang="zh-CN" altLang="en-US" smtClean="0"/>
               <a:t>‹#›</a:t>
             </a:fld>
@@ -2127,7 +2127,7 @@
     </p:spTree>
     <p:extLst>
       <p:ext uri="{BB962C8B-B14F-4D97-AF65-F5344CB8AC3E}">
-        <p14:creationId xmlns:p14="http://schemas.microsoft.com/office/powerpoint/2010/main" val="4143677576"/>
+        <p14:creationId xmlns:p14="http://schemas.microsoft.com/office/powerpoint/2010/main" val="1517769748"/>
       </p:ext>
     </p:extLst>
   </p:cSld>
@@ -2159,7 +2159,7 @@
           <p:cNvPr id="2" name="标题 1">
             <a:extLst>
               <a:ext uri="{FF2B5EF4-FFF2-40B4-BE49-F238E27FC236}">
-                <a16:creationId xmlns:a16="http://schemas.microsoft.com/office/drawing/2014/main" id="{1F4C9D3B-F2F6-E307-F392-5DFB588089A5}"/>
+                <a16:creationId xmlns:a16="http://schemas.microsoft.com/office/drawing/2014/main" id="{6C69DAAA-4141-AB7B-7542-FF064DFB32AA}"/>
               </a:ext>
             </a:extLst>
           </p:cNvPr>
@@ -2196,7 +2196,7 @@
           <p:cNvPr id="3" name="内容占位符 2">
             <a:extLst>
               <a:ext uri="{FF2B5EF4-FFF2-40B4-BE49-F238E27FC236}">
-                <a16:creationId xmlns:a16="http://schemas.microsoft.com/office/drawing/2014/main" id="{705E6209-509E-B798-0E05-B2666B4C1AD5}"/>
+                <a16:creationId xmlns:a16="http://schemas.microsoft.com/office/drawing/2014/main" id="{E6BF2496-30F5-262F-2741-3B545ABAFDCD}"/>
               </a:ext>
             </a:extLst>
           </p:cNvPr>
@@ -2286,7 +2286,7 @@
           <p:cNvPr id="4" name="文本占位符 3">
             <a:extLst>
               <a:ext uri="{FF2B5EF4-FFF2-40B4-BE49-F238E27FC236}">
-                <a16:creationId xmlns:a16="http://schemas.microsoft.com/office/drawing/2014/main" id="{E2E361A9-4D05-6247-6436-360AE8CE7064}"/>
+                <a16:creationId xmlns:a16="http://schemas.microsoft.com/office/drawing/2014/main" id="{8BC23292-26ED-A427-DD07-BD50B1C54495}"/>
               </a:ext>
             </a:extLst>
           </p:cNvPr>
@@ -2357,7 +2357,7 @@
           <p:cNvPr id="5" name="日期占位符 4">
             <a:extLst>
               <a:ext uri="{FF2B5EF4-FFF2-40B4-BE49-F238E27FC236}">
-                <a16:creationId xmlns:a16="http://schemas.microsoft.com/office/drawing/2014/main" id="{C63C1D56-841C-38AE-2B65-DBECDBAEDBD6}"/>
+                <a16:creationId xmlns:a16="http://schemas.microsoft.com/office/drawing/2014/main" id="{9452AA3C-51C2-F50E-1A38-0E9DBAE92801}"/>
               </a:ext>
             </a:extLst>
           </p:cNvPr>
@@ -2373,7 +2373,7 @@
           <a:bodyPr/>
           <a:lstStyle/>
           <a:p>
-            <a:fld id="{95A3FED6-E5F6-4194-BF60-995FFE3A1643}" type="datetimeFigureOut">
+            <a:fld id="{EB517641-B76A-49F4-A826-1045DE60A614}" type="datetimeFigureOut">
               <a:rPr lang="zh-CN" altLang="en-US" smtClean="0"/>
               <a:t>2024/3/10</a:t>
             </a:fld>
@@ -2386,7 +2386,7 @@
           <p:cNvPr id="6" name="页脚占位符 5">
             <a:extLst>
               <a:ext uri="{FF2B5EF4-FFF2-40B4-BE49-F238E27FC236}">
-                <a16:creationId xmlns:a16="http://schemas.microsoft.com/office/drawing/2014/main" id="{9935C463-5894-002A-3BC5-70ED37CE3667}"/>
+                <a16:creationId xmlns:a16="http://schemas.microsoft.com/office/drawing/2014/main" id="{B6F505AE-2195-B98D-DEDF-292EA84DBAEF}"/>
               </a:ext>
             </a:extLst>
           </p:cNvPr>
@@ -2411,7 +2411,7 @@
           <p:cNvPr id="7" name="灯片编号占位符 6">
             <a:extLst>
               <a:ext uri="{FF2B5EF4-FFF2-40B4-BE49-F238E27FC236}">
-                <a16:creationId xmlns:a16="http://schemas.microsoft.com/office/drawing/2014/main" id="{BB268748-C95A-C3B1-E3D5-BDA7B32E51E9}"/>
+                <a16:creationId xmlns:a16="http://schemas.microsoft.com/office/drawing/2014/main" id="{75E62ECF-0A48-5567-75C8-227D7891B28B}"/>
               </a:ext>
             </a:extLst>
           </p:cNvPr>
@@ -2427,7 +2427,7 @@
           <a:bodyPr/>
           <a:lstStyle/>
           <a:p>
-            <a:fld id="{810F7B75-8A89-4BFB-B888-FFAF8FA1652B}" type="slidenum">
+            <a:fld id="{C6B1449E-5097-4DB0-BB35-38F3E0EB99FA}" type="slidenum">
               <a:rPr lang="zh-CN" altLang="en-US" smtClean="0"/>
               <a:t>‹#›</a:t>
             </a:fld>
@@ -2438,7 +2438,7 @@
     </p:spTree>
     <p:extLst>
       <p:ext uri="{BB962C8B-B14F-4D97-AF65-F5344CB8AC3E}">
-        <p14:creationId xmlns:p14="http://schemas.microsoft.com/office/powerpoint/2010/main" val="692158629"/>
+        <p14:creationId xmlns:p14="http://schemas.microsoft.com/office/powerpoint/2010/main" val="3420170475"/>
       </p:ext>
     </p:extLst>
   </p:cSld>
@@ -2470,7 +2470,7 @@
           <p:cNvPr id="2" name="标题 1">
             <a:extLst>
               <a:ext uri="{FF2B5EF4-FFF2-40B4-BE49-F238E27FC236}">
-                <a16:creationId xmlns:a16="http://schemas.microsoft.com/office/drawing/2014/main" id="{0824E7CE-A40B-72EA-3EC2-E07FCBEF7F87}"/>
+                <a16:creationId xmlns:a16="http://schemas.microsoft.com/office/drawing/2014/main" id="{A07CD08A-DEE5-ED7E-862E-89A4D3C874B4}"/>
               </a:ext>
             </a:extLst>
           </p:cNvPr>
@@ -2507,7 +2507,7 @@
           <p:cNvPr id="3" name="图片占位符 2">
             <a:extLst>
               <a:ext uri="{FF2B5EF4-FFF2-40B4-BE49-F238E27FC236}">
-                <a16:creationId xmlns:a16="http://schemas.microsoft.com/office/drawing/2014/main" id="{06CE4209-B58B-22D7-62C7-83DA813977F6}"/>
+                <a16:creationId xmlns:a16="http://schemas.microsoft.com/office/drawing/2014/main" id="{B1AF05CC-622B-1FC8-FC76-DA3C0A8DBF76}"/>
               </a:ext>
             </a:extLst>
           </p:cNvPr>
@@ -2574,7 +2574,7 @@
           <p:cNvPr id="4" name="文本占位符 3">
             <a:extLst>
               <a:ext uri="{FF2B5EF4-FFF2-40B4-BE49-F238E27FC236}">
-                <a16:creationId xmlns:a16="http://schemas.microsoft.com/office/drawing/2014/main" id="{82AEC66D-2CC6-A1C7-9FB1-FD98FC7DF24B}"/>
+                <a16:creationId xmlns:a16="http://schemas.microsoft.com/office/drawing/2014/main" id="{25331C8C-1A75-1964-40F3-238A0806691A}"/>
               </a:ext>
             </a:extLst>
           </p:cNvPr>
@@ -2645,7 +2645,7 @@
           <p:cNvPr id="5" name="日期占位符 4">
             <a:extLst>
               <a:ext uri="{FF2B5EF4-FFF2-40B4-BE49-F238E27FC236}">
-                <a16:creationId xmlns:a16="http://schemas.microsoft.com/office/drawing/2014/main" id="{3754E7BB-E382-63BD-0DBE-1E8147F2F4DE}"/>
+                <a16:creationId xmlns:a16="http://schemas.microsoft.com/office/drawing/2014/main" id="{1A1DAFBB-C4E7-0B15-5B6C-7D09290B614A}"/>
               </a:ext>
             </a:extLst>
           </p:cNvPr>
@@ -2661,7 +2661,7 @@
           <a:bodyPr/>
           <a:lstStyle/>
           <a:p>
-            <a:fld id="{95A3FED6-E5F6-4194-BF60-995FFE3A1643}" type="datetimeFigureOut">
+            <a:fld id="{EB517641-B76A-49F4-A826-1045DE60A614}" type="datetimeFigureOut">
               <a:rPr lang="zh-CN" altLang="en-US" smtClean="0"/>
               <a:t>2024/3/10</a:t>
             </a:fld>
@@ -2674,7 +2674,7 @@
           <p:cNvPr id="6" name="页脚占位符 5">
             <a:extLst>
               <a:ext uri="{FF2B5EF4-FFF2-40B4-BE49-F238E27FC236}">
-                <a16:creationId xmlns:a16="http://schemas.microsoft.com/office/drawing/2014/main" id="{2AE4C665-F95D-261E-7B6B-81357A11426C}"/>
+                <a16:creationId xmlns:a16="http://schemas.microsoft.com/office/drawing/2014/main" id="{C858207F-582E-CC45-6C3D-B22B08E8D661}"/>
               </a:ext>
             </a:extLst>
           </p:cNvPr>
@@ -2699,7 +2699,7 @@
           <p:cNvPr id="7" name="灯片编号占位符 6">
             <a:extLst>
               <a:ext uri="{FF2B5EF4-FFF2-40B4-BE49-F238E27FC236}">
-                <a16:creationId xmlns:a16="http://schemas.microsoft.com/office/drawing/2014/main" id="{6AA534E5-95F9-D442-99BB-4A9E5CAB4EEC}"/>
+                <a16:creationId xmlns:a16="http://schemas.microsoft.com/office/drawing/2014/main" id="{9F6CFDBA-3AC5-8ED7-1764-B7D4BB8AD366}"/>
               </a:ext>
             </a:extLst>
           </p:cNvPr>
@@ -2715,7 +2715,7 @@
           <a:bodyPr/>
           <a:lstStyle/>
           <a:p>
-            <a:fld id="{810F7B75-8A89-4BFB-B888-FFAF8FA1652B}" type="slidenum">
+            <a:fld id="{C6B1449E-5097-4DB0-BB35-38F3E0EB99FA}" type="slidenum">
               <a:rPr lang="zh-CN" altLang="en-US" smtClean="0"/>
               <a:t>‹#›</a:t>
             </a:fld>
@@ -2726,7 +2726,7 @@
     </p:spTree>
     <p:extLst>
       <p:ext uri="{BB962C8B-B14F-4D97-AF65-F5344CB8AC3E}">
-        <p14:creationId xmlns:p14="http://schemas.microsoft.com/office/powerpoint/2010/main" val="1109642028"/>
+        <p14:creationId xmlns:p14="http://schemas.microsoft.com/office/powerpoint/2010/main" val="3867441520"/>
       </p:ext>
     </p:extLst>
   </p:cSld>
@@ -2763,7 +2763,7 @@
           <p:cNvPr id="2" name="标题占位符 1">
             <a:extLst>
               <a:ext uri="{FF2B5EF4-FFF2-40B4-BE49-F238E27FC236}">
-                <a16:creationId xmlns:a16="http://schemas.microsoft.com/office/drawing/2014/main" id="{65EC22A7-B50B-D804-2BD7-0A4D12846BCB}"/>
+                <a16:creationId xmlns:a16="http://schemas.microsoft.com/office/drawing/2014/main" id="{924ACBC6-D106-3E0A-23E2-A5DAFBB76F98}"/>
               </a:ext>
             </a:extLst>
           </p:cNvPr>
@@ -2801,7 +2801,7 @@
           <p:cNvPr id="3" name="文本占位符 2">
             <a:extLst>
               <a:ext uri="{FF2B5EF4-FFF2-40B4-BE49-F238E27FC236}">
-                <a16:creationId xmlns:a16="http://schemas.microsoft.com/office/drawing/2014/main" id="{58DCAA49-7E22-2C09-4703-66DD6E2FF27B}"/>
+                <a16:creationId xmlns:a16="http://schemas.microsoft.com/office/drawing/2014/main" id="{153E79BE-5E6F-5066-609A-B6E3A21939F9}"/>
               </a:ext>
             </a:extLst>
           </p:cNvPr>
@@ -2868,7 +2868,7 @@
           <p:cNvPr id="4" name="日期占位符 3">
             <a:extLst>
               <a:ext uri="{FF2B5EF4-FFF2-40B4-BE49-F238E27FC236}">
-                <a16:creationId xmlns:a16="http://schemas.microsoft.com/office/drawing/2014/main" id="{1203096C-C6B4-E716-1B21-1EC6CD32774E}"/>
+                <a16:creationId xmlns:a16="http://schemas.microsoft.com/office/drawing/2014/main" id="{64162575-651D-C8E4-5CFA-228488FB2887}"/>
               </a:ext>
             </a:extLst>
           </p:cNvPr>
@@ -2902,7 +2902,7 @@
             </a:lvl1pPr>
           </a:lstStyle>
           <a:p>
-            <a:fld id="{95A3FED6-E5F6-4194-BF60-995FFE3A1643}" type="datetimeFigureOut">
+            <a:fld id="{EB517641-B76A-49F4-A826-1045DE60A614}" type="datetimeFigureOut">
               <a:rPr lang="zh-CN" altLang="en-US" smtClean="0"/>
               <a:t>2024/3/10</a:t>
             </a:fld>
@@ -2915,7 +2915,7 @@
           <p:cNvPr id="5" name="页脚占位符 4">
             <a:extLst>
               <a:ext uri="{FF2B5EF4-FFF2-40B4-BE49-F238E27FC236}">
-                <a16:creationId xmlns:a16="http://schemas.microsoft.com/office/drawing/2014/main" id="{F28E5AC4-D648-F2A2-A797-6CE42144EA4E}"/>
+                <a16:creationId xmlns:a16="http://schemas.microsoft.com/office/drawing/2014/main" id="{AA7C574B-B34F-C26A-77AA-CA2352EDE284}"/>
               </a:ext>
             </a:extLst>
           </p:cNvPr>
@@ -2958,7 +2958,7 @@
           <p:cNvPr id="6" name="灯片编号占位符 5">
             <a:extLst>
               <a:ext uri="{FF2B5EF4-FFF2-40B4-BE49-F238E27FC236}">
-                <a16:creationId xmlns:a16="http://schemas.microsoft.com/office/drawing/2014/main" id="{2A10755C-32B9-B994-E531-A858E9599FA6}"/>
+                <a16:creationId xmlns:a16="http://schemas.microsoft.com/office/drawing/2014/main" id="{AE62846E-6DE5-6FEF-78CF-6F48A95952AE}"/>
               </a:ext>
             </a:extLst>
           </p:cNvPr>
@@ -2992,7 +2992,7 @@
             </a:lvl1pPr>
           </a:lstStyle>
           <a:p>
-            <a:fld id="{810F7B75-8A89-4BFB-B888-FFAF8FA1652B}" type="slidenum">
+            <a:fld id="{C6B1449E-5097-4DB0-BB35-38F3E0EB99FA}" type="slidenum">
               <a:rPr lang="zh-CN" altLang="en-US" smtClean="0"/>
               <a:t>‹#›</a:t>
             </a:fld>
@@ -3003,7 +3003,7 @@
     </p:spTree>
     <p:extLst>
       <p:ext uri="{BB962C8B-B14F-4D97-AF65-F5344CB8AC3E}">
-        <p14:creationId xmlns:p14="http://schemas.microsoft.com/office/powerpoint/2010/main" val="2484662361"/>
+        <p14:creationId xmlns:p14="http://schemas.microsoft.com/office/powerpoint/2010/main" val="3885997758"/>
       </p:ext>
     </p:extLst>
   </p:cSld>
